--- a/ppt/rmz.pptx
+++ b/ppt/rmz.pptx
@@ -288,7 +288,7 @@
           <a:p>
             <a:fld id="{147AFABB-3CEF-4C08-89F8-99202E0B443D}" type="datetimeFigureOut">
               <a:rPr lang="en-US" smtClean="0"/>
-              <a:t>6/15/2015</a:t>
+              <a:t>6/16/2015</a:t>
             </a:fld>
             <a:endParaRPr lang="en-US"/>
           </a:p>
@@ -458,7 +458,7 @@
           <a:p>
             <a:fld id="{147AFABB-3CEF-4C08-89F8-99202E0B443D}" type="datetimeFigureOut">
               <a:rPr lang="en-US" smtClean="0"/>
-              <a:t>6/15/2015</a:t>
+              <a:t>6/16/2015</a:t>
             </a:fld>
             <a:endParaRPr lang="en-US"/>
           </a:p>
@@ -638,7 +638,7 @@
           <a:p>
             <a:fld id="{147AFABB-3CEF-4C08-89F8-99202E0B443D}" type="datetimeFigureOut">
               <a:rPr lang="en-US" smtClean="0"/>
-              <a:t>6/15/2015</a:t>
+              <a:t>6/16/2015</a:t>
             </a:fld>
             <a:endParaRPr lang="en-US"/>
           </a:p>
@@ -808,7 +808,7 @@
           <a:p>
             <a:fld id="{147AFABB-3CEF-4C08-89F8-99202E0B443D}" type="datetimeFigureOut">
               <a:rPr lang="en-US" smtClean="0"/>
-              <a:t>6/15/2015</a:t>
+              <a:t>6/16/2015</a:t>
             </a:fld>
             <a:endParaRPr lang="en-US"/>
           </a:p>
@@ -1054,7 +1054,7 @@
           <a:p>
             <a:fld id="{147AFABB-3CEF-4C08-89F8-99202E0B443D}" type="datetimeFigureOut">
               <a:rPr lang="en-US" smtClean="0"/>
-              <a:t>6/15/2015</a:t>
+              <a:t>6/16/2015</a:t>
             </a:fld>
             <a:endParaRPr lang="en-US"/>
           </a:p>
@@ -1342,7 +1342,7 @@
           <a:p>
             <a:fld id="{147AFABB-3CEF-4C08-89F8-99202E0B443D}" type="datetimeFigureOut">
               <a:rPr lang="en-US" smtClean="0"/>
-              <a:t>6/15/2015</a:t>
+              <a:t>6/16/2015</a:t>
             </a:fld>
             <a:endParaRPr lang="en-US"/>
           </a:p>
@@ -1764,7 +1764,7 @@
           <a:p>
             <a:fld id="{147AFABB-3CEF-4C08-89F8-99202E0B443D}" type="datetimeFigureOut">
               <a:rPr lang="en-US" smtClean="0"/>
-              <a:t>6/15/2015</a:t>
+              <a:t>6/16/2015</a:t>
             </a:fld>
             <a:endParaRPr lang="en-US"/>
           </a:p>
@@ -1882,7 +1882,7 @@
           <a:p>
             <a:fld id="{147AFABB-3CEF-4C08-89F8-99202E0B443D}" type="datetimeFigureOut">
               <a:rPr lang="en-US" smtClean="0"/>
-              <a:t>6/15/2015</a:t>
+              <a:t>6/16/2015</a:t>
             </a:fld>
             <a:endParaRPr lang="en-US"/>
           </a:p>
@@ -1977,7 +1977,7 @@
           <a:p>
             <a:fld id="{147AFABB-3CEF-4C08-89F8-99202E0B443D}" type="datetimeFigureOut">
               <a:rPr lang="en-US" smtClean="0"/>
-              <a:t>6/15/2015</a:t>
+              <a:t>6/16/2015</a:t>
             </a:fld>
             <a:endParaRPr lang="en-US"/>
           </a:p>
@@ -2254,7 +2254,7 @@
           <a:p>
             <a:fld id="{147AFABB-3CEF-4C08-89F8-99202E0B443D}" type="datetimeFigureOut">
               <a:rPr lang="en-US" smtClean="0"/>
-              <a:t>6/15/2015</a:t>
+              <a:t>6/16/2015</a:t>
             </a:fld>
             <a:endParaRPr lang="en-US"/>
           </a:p>
@@ -2507,7 +2507,7 @@
           <a:p>
             <a:fld id="{147AFABB-3CEF-4C08-89F8-99202E0B443D}" type="datetimeFigureOut">
               <a:rPr lang="en-US" smtClean="0"/>
-              <a:t>6/15/2015</a:t>
+              <a:t>6/16/2015</a:t>
             </a:fld>
             <a:endParaRPr lang="en-US"/>
           </a:p>
@@ -2720,7 +2720,7 @@
           <a:p>
             <a:fld id="{147AFABB-3CEF-4C08-89F8-99202E0B443D}" type="datetimeFigureOut">
               <a:rPr lang="en-US" smtClean="0"/>
-              <a:t>6/15/2015</a:t>
+              <a:t>6/16/2015</a:t>
             </a:fld>
             <a:endParaRPr lang="en-US"/>
           </a:p>
@@ -3151,8 +3151,8 @@
         </p:blipFill>
         <p:spPr>
           <a:xfrm>
-            <a:off x="5334000" y="2067681"/>
-            <a:ext cx="2683549" cy="2673460"/>
+            <a:off x="5334000" y="2087763"/>
+            <a:ext cx="2764609" cy="2712837"/>
           </a:xfrm>
           <a:prstGeom prst="rect">
             <a:avLst/>
@@ -3203,11 +3203,7 @@
             </a:r>
             <a:r>
               <a:rPr lang="en-US" sz="2000" dirty="0" smtClean="0"/>
-              <a:t>   </a:t>
-            </a:r>
-            <a:r>
-              <a:rPr lang="en-US" sz="2000" dirty="0" smtClean="0"/>
-              <a:t>-</a:t>
+              <a:t>   -</a:t>
             </a:r>
             <a:r>
               <a:rPr lang="en-US" sz="2000" dirty="0" err="1" smtClean="0"/>
@@ -3243,11 +3239,7 @@
             </a:r>
             <a:r>
               <a:rPr lang="en-US" sz="2000" smtClean="0"/>
-              <a:t>   </a:t>
-            </a:r>
-            <a:r>
-              <a:rPr lang="en-US" sz="2000" smtClean="0"/>
-              <a:t>-</a:t>
+              <a:t>   -</a:t>
             </a:r>
             <a:r>
               <a:rPr lang="en-US" sz="2000" dirty="0" err="1" smtClean="0"/>
